--- a/events_flow.pptx
+++ b/events_flow.pptx
@@ -3786,7 +3786,7 @@
                 </a:solidFill>
                 <a:latin typeface="Consolas" panose="020B0609020204030204" pitchFamily="49" charset="0"/>
               </a:rPr>
-              <a:t>screen_unloading_event</a:t>
+              <a:t>screen_changing_event</a:t>
             </a:r>
             <a:r>
               <a:rPr lang="en-US" sz="1000" dirty="0">
@@ -4013,7 +4013,7 @@
                 </a:solidFill>
                 <a:latin typeface="Consolas" panose="020B0609020204030204" pitchFamily="49" charset="0"/>
               </a:rPr>
-              <a:t>screen_unloading_event</a:t>
+              <a:t>screen_changing_event</a:t>
             </a:r>
             <a:r>
               <a:rPr lang="en-US" sz="1000" dirty="0">
@@ -4135,7 +4135,7 @@
                 </a:solidFill>
                 <a:latin typeface="Consolas" panose="020B0609020204030204" pitchFamily="49" charset="0"/>
               </a:rPr>
-              <a:t>screen_unloading_event</a:t>
+              <a:t>screen_changing_event</a:t>
             </a:r>
             <a:r>
               <a:rPr lang="en-US" sz="1000" dirty="0">
@@ -4283,7 +4283,7 @@
                 </a:solidFill>
                 <a:latin typeface="Consolas" panose="020B0609020204030204" pitchFamily="49" charset="0"/>
               </a:rPr>
-              <a:t>screen_unloading_event</a:t>
+              <a:t>screen_changing_event</a:t>
             </a:r>
             <a:r>
               <a:rPr lang="en-US" sz="1000" dirty="0">
@@ -4423,7 +4423,7 @@
                 </a:solidFill>
                 <a:latin typeface="Consolas" panose="020B0609020204030204" pitchFamily="49" charset="0"/>
               </a:rPr>
-              <a:t>screen_unloading_event</a:t>
+              <a:t>screen_changing_event</a:t>
             </a:r>
             <a:r>
               <a:rPr lang="en-US" sz="1000" dirty="0">
@@ -5184,7 +5184,7 @@
                 </a:solidFill>
                 <a:latin typeface="Consolas" panose="020B0609020204030204" pitchFamily="49" charset="0"/>
               </a:rPr>
-              <a:t>screen_unloading_event</a:t>
+              <a:t>screen_changing_event</a:t>
             </a:r>
             <a:r>
               <a:rPr lang="en-US" sz="1000" dirty="0">

--- a/events_flow.pptx
+++ b/events_flow.pptx
@@ -4331,7 +4331,7 @@
         </p:nvSpPr>
         <p:spPr>
           <a:xfrm>
-            <a:off x="9392903" y="5516896"/>
+            <a:off x="9414239" y="5516896"/>
             <a:ext cx="3005326" cy="928624"/>
           </a:xfrm>
           <a:prstGeom prst="roundRect">
@@ -4370,7 +4370,7 @@
                 </a:solidFill>
                 <a:latin typeface="Consolas" panose="020B0609020204030204" pitchFamily="49" charset="0"/>
               </a:rPr>
-              <a:t>button_input</a:t>
+              <a:t>menu_ui_logic</a:t>
             </a:r>
             <a:r>
               <a:rPr lang="en-US" sz="1000" b="1" dirty="0">
@@ -4474,9 +4474,9 @@
           <p:nvPr/>
         </p:nvCxnSpPr>
         <p:spPr>
-          <a:xfrm flipH="1">
-            <a:off x="10895566" y="5329518"/>
-            <a:ext cx="21336" cy="187378"/>
+          <a:xfrm>
+            <a:off x="10916902" y="5329518"/>
+            <a:ext cx="0" cy="187378"/>
           </a:xfrm>
           <a:prstGeom prst="straightConnector1">
             <a:avLst/>
@@ -6649,42 +6649,6 @@
           </a:fontRef>
         </p:style>
       </p:cxnSp>
-      <p:sp>
-        <p:nvSpPr>
-          <p:cNvPr id="46" name="TextBox 45">
-            <a:extLst>
-              <a:ext uri="{FF2B5EF4-FFF2-40B4-BE49-F238E27FC236}">
-                <a16:creationId xmlns:a16="http://schemas.microsoft.com/office/drawing/2014/main" id="{EAB73D4D-3A78-92E9-BFD5-E99534EB665C}"/>
-              </a:ext>
-            </a:extLst>
-          </p:cNvPr>
-          <p:cNvSpPr txBox="1"/>
-          <p:nvPr/>
-        </p:nvSpPr>
-        <p:spPr>
-          <a:xfrm>
-            <a:off x="9343931" y="6482302"/>
-            <a:ext cx="3054298" cy="400110"/>
-          </a:xfrm>
-          <a:prstGeom prst="rect">
-            <a:avLst/>
-          </a:prstGeom>
-          <a:noFill/>
-        </p:spPr>
-        <p:txBody>
-          <a:bodyPr wrap="none" rtlCol="0">
-            <a:spAutoFit/>
-          </a:bodyPr>
-          <a:lstStyle/>
-          <a:p>
-            <a:r>
-              <a:rPr lang="en-US" sz="2000" dirty="0"/>
-              <a:t>Move me to another mod ^</a:t>
-            </a:r>
-            <a:endParaRPr lang="en-IL" sz="2000" dirty="0"/>
-          </a:p>
-        </p:txBody>
-      </p:sp>
       <p:cxnSp>
         <p:nvCxnSpPr>
           <p:cNvPr id="118" name="Straight Connector 117">
@@ -6829,6 +6793,60 @@
           </a:fontRef>
         </p:style>
       </p:cxnSp>
+      <p:sp>
+        <p:nvSpPr>
+          <p:cNvPr id="3" name="TextBox 2">
+            <a:extLst>
+              <a:ext uri="{FF2B5EF4-FFF2-40B4-BE49-F238E27FC236}">
+                <a16:creationId xmlns:a16="http://schemas.microsoft.com/office/drawing/2014/main" id="{355A562A-BC3F-51FE-72F4-D23105186E8E}"/>
+              </a:ext>
+            </a:extLst>
+          </p:cNvPr>
+          <p:cNvSpPr txBox="1"/>
+          <p:nvPr/>
+        </p:nvSpPr>
+        <p:spPr>
+          <a:xfrm>
+            <a:off x="7742357" y="4038650"/>
+            <a:ext cx="1321259" cy="830997"/>
+          </a:xfrm>
+          <a:prstGeom prst="rect">
+            <a:avLst/>
+          </a:prstGeom>
+          <a:noFill/>
+        </p:spPr>
+        <p:txBody>
+          <a:bodyPr wrap="none" rtlCol="0">
+            <a:spAutoFit/>
+          </a:bodyPr>
+          <a:lstStyle/>
+          <a:p>
+            <a:r>
+              <a:rPr lang="en-US" sz="1200" b="1" dirty="0"/>
+              <a:t>here build solved </a:t>
+            </a:r>
+          </a:p>
+          <a:p>
+            <a:r>
+              <a:rPr lang="en-US" sz="1200" b="1" dirty="0"/>
+              <a:t>then make new</a:t>
+            </a:r>
+          </a:p>
+          <a:p>
+            <a:r>
+              <a:rPr lang="en-US" sz="1200" b="1" dirty="0"/>
+              <a:t>then graphics</a:t>
+            </a:r>
+          </a:p>
+          <a:p>
+            <a:r>
+              <a:rPr lang="en-US" sz="1200" b="1" dirty="0"/>
+              <a:t>&lt;</a:t>
+            </a:r>
+            <a:endParaRPr lang="en-IL" sz="1200" b="1" dirty="0"/>
+          </a:p>
+        </p:txBody>
+      </p:sp>
     </p:spTree>
     <p:extLst>
       <p:ext uri="{BB962C8B-B14F-4D97-AF65-F5344CB8AC3E}">
